--- a/Team_16-Brainy_Buds_Presentation.pptx
+++ b/Team_16-Brainy_Buds_Presentation.pptx
@@ -4539,7 +4539,7 @@
         <p:spPr>
           <a:xfrm>
             <a:off x="257595" y="1399711"/>
-            <a:ext cx="5228805" cy="2292614"/>
+            <a:ext cx="5228805" cy="3125990"/>
           </a:xfrm>
         </p:spPr>
         <p:txBody>
@@ -4555,7 +4555,7 @@
                 </a:solidFill>
                 <a:latin typeface="Caladea" panose="02040503050406030204" pitchFamily="18" charset="0"/>
               </a:rPr>
-              <a:t>Child selects interests and difficulty level. </a:t>
+              <a:t>Child launches bot </a:t>
             </a:r>
           </a:p>
           <a:p>
@@ -4566,7 +4566,7 @@
                 </a:solidFill>
                 <a:latin typeface="Caladea" panose="02040503050406030204" pitchFamily="18" charset="0"/>
               </a:rPr>
-              <a:t>Questions are asked in a fun, interactive format based upon selection </a:t>
+              <a:t>Prompt “start quiz”</a:t>
             </a:r>
           </a:p>
           <a:p>
@@ -4577,7 +4577,40 @@
                 </a:solidFill>
                 <a:latin typeface="Caladea" panose="02040503050406030204" pitchFamily="18" charset="0"/>
               </a:rPr>
-              <a:t>Instant feedback as per the performance </a:t>
+              <a:t>Bot responds with category and difficulty level </a:t>
+            </a:r>
+          </a:p>
+          <a:p>
+            <a:r>
+              <a:rPr lang="en-US" sz="2000" dirty="0">
+                <a:solidFill>
+                  <a:srgbClr val="0070C0"/>
+                </a:solidFill>
+                <a:latin typeface="Caladea" panose="02040503050406030204" pitchFamily="18" charset="0"/>
+              </a:rPr>
+              <a:t>Child selects interests and difficulty. </a:t>
+            </a:r>
+          </a:p>
+          <a:p>
+            <a:r>
+              <a:rPr lang="en-US" sz="2000" dirty="0">
+                <a:solidFill>
+                  <a:srgbClr val="0070C0"/>
+                </a:solidFill>
+                <a:latin typeface="Caladea" panose="02040503050406030204" pitchFamily="18" charset="0"/>
+              </a:rPr>
+              <a:t>Questions are asked in a fun, iterative manner based upon category selection </a:t>
+            </a:r>
+          </a:p>
+          <a:p>
+            <a:r>
+              <a:rPr lang="en-US" sz="2000" dirty="0">
+                <a:solidFill>
+                  <a:srgbClr val="0070C0"/>
+                </a:solidFill>
+                <a:latin typeface="Caladea" panose="02040503050406030204" pitchFamily="18" charset="0"/>
+              </a:rPr>
+              <a:t>Feedback as per the performance </a:t>
             </a:r>
           </a:p>
           <a:p>
@@ -5319,7 +5352,7 @@
         <p:spPr>
           <a:xfrm>
             <a:off x="387751" y="3555427"/>
-            <a:ext cx="7587205" cy="2339102"/>
+            <a:ext cx="7587205" cy="2616101"/>
           </a:xfrm>
           <a:prstGeom prst="rect">
             <a:avLst/>
@@ -5343,6 +5376,27 @@
             </a:r>
           </a:p>
           <a:p>
+            <a:endParaRPr lang="en-US" sz="1800" dirty="0">
+              <a:solidFill>
+                <a:srgbClr val="0070C0"/>
+              </a:solidFill>
+              <a:latin typeface="Caladea" panose="02040503050406030204" pitchFamily="18" charset="0"/>
+            </a:endParaRPr>
+          </a:p>
+          <a:p>
+            <a:pPr marL="285750" indent="-285750">
+              <a:buFont typeface="Arial" panose="020B0604020202020204" pitchFamily="34" charset="0"/>
+              <a:buChar char="•"/>
+            </a:pPr>
+            <a:r>
+              <a:rPr lang="en-US" dirty="0">
+                <a:solidFill>
+                  <a:srgbClr val="0070C0"/>
+                </a:solidFill>
+                <a:latin typeface="Caladea" panose="02040503050406030204" pitchFamily="18" charset="0"/>
+              </a:rPr>
+              <a:t>Dynamic result  for quiz performance</a:t>
+            </a:r>
             <a:endParaRPr lang="en-US" sz="1800" dirty="0">
               <a:solidFill>
                 <a:srgbClr val="0070C0"/>
